--- a/30-gap_eul_final.pptx
+++ b/30-gap_eul_final.pptx
@@ -12,9 +12,8 @@
     <p:sldId id="267" r:id="rId6"/>
     <p:sldId id="262" r:id="rId7"/>
     <p:sldId id="264" r:id="rId8"/>
-    <p:sldId id="265" r:id="rId9"/>
-    <p:sldId id="266" r:id="rId10"/>
-    <p:sldId id="263" r:id="rId11"/>
+    <p:sldId id="266" r:id="rId9"/>
+    <p:sldId id="263" r:id="rId10"/>
   </p:sldIdLst>
   <p:sldSz cx="9144000" cy="5143500" type="screen16x9"/>
   <p:notesSz cx="6858000" cy="9144000"/>
@@ -3635,177 +3634,6 @@
 </p:sld>
 </file>
 
-<file path=ppt/slides/slide10.xml><?xml version="1.0" encoding="utf-8"?>
-<p:sld xmlns:a="http://schemas.openxmlformats.org/drawingml/2006/main" xmlns:r="http://schemas.openxmlformats.org/officeDocument/2006/relationships" xmlns:p="http://schemas.openxmlformats.org/presentationml/2006/main">
-  <p:cSld>
-    <p:spTree>
-      <p:nvGrpSpPr>
-        <p:cNvPr id="1" name=""/>
-        <p:cNvGrpSpPr/>
-        <p:nvPr/>
-      </p:nvGrpSpPr>
-      <p:grpSpPr>
-        <a:xfrm>
-          <a:off x="0" y="0"/>
-          <a:ext cx="0" cy="0"/>
-          <a:chOff x="0" y="0"/>
-          <a:chExt cx="0" cy="0"/>
-        </a:xfrm>
-      </p:grpSpPr>
-      <p:sp>
-        <p:nvSpPr>
-          <p:cNvPr id="4" name="TextBox 3"/>
-          <p:cNvSpPr txBox="1"/>
-          <p:nvPr/>
-        </p:nvSpPr>
-        <p:spPr>
-          <a:xfrm>
-            <a:off x="48437" y="-72226"/>
-            <a:ext cx="1656184" cy="1323439"/>
-          </a:xfrm>
-          <a:prstGeom prst="rect">
-            <a:avLst/>
-          </a:prstGeom>
-          <a:noFill/>
-        </p:spPr>
-        <p:txBody>
-          <a:bodyPr wrap="square" rtlCol="0">
-            <a:spAutoFit/>
-          </a:bodyPr>
-          <a:lstStyle/>
-          <a:p>
-            <a:r>
-              <a:rPr lang="en-US" altLang="ko-KR" sz="8000" dirty="0" smtClean="0">
-                <a:solidFill>
-                  <a:srgbClr val="232323"/>
-                </a:solidFill>
-                <a:latin typeface="HY헤드라인M" panose="02030600000101010101" pitchFamily="18" charset="-127"/>
-                <a:ea typeface="HY헤드라인M" panose="02030600000101010101" pitchFamily="18" charset="-127"/>
-              </a:rPr>
-              <a:t>04</a:t>
-            </a:r>
-            <a:endParaRPr lang="ko-KR" altLang="en-US" sz="8000" dirty="0">
-              <a:solidFill>
-                <a:srgbClr val="232323"/>
-              </a:solidFill>
-              <a:latin typeface="HY헤드라인M" panose="02030600000101010101" pitchFamily="18" charset="-127"/>
-              <a:ea typeface="HY헤드라인M" panose="02030600000101010101" pitchFamily="18" charset="-127"/>
-            </a:endParaRPr>
-          </a:p>
-        </p:txBody>
-      </p:sp>
-      <p:sp>
-        <p:nvSpPr>
-          <p:cNvPr id="5" name="TextBox 4"/>
-          <p:cNvSpPr txBox="1"/>
-          <p:nvPr/>
-        </p:nvSpPr>
-        <p:spPr>
-          <a:xfrm>
-            <a:off x="539552" y="495712"/>
-            <a:ext cx="7776864" cy="707886"/>
-          </a:xfrm>
-          <a:prstGeom prst="rect">
-            <a:avLst/>
-          </a:prstGeom>
-          <a:noFill/>
-        </p:spPr>
-        <p:txBody>
-          <a:bodyPr wrap="square" rtlCol="0">
-            <a:spAutoFit/>
-          </a:bodyPr>
-          <a:lstStyle/>
-          <a:p>
-            <a:r>
-              <a:rPr lang="en-US" altLang="ko-KR" sz="4000" dirty="0" smtClean="0">
-                <a:solidFill>
-                  <a:schemeClr val="bg1"/>
-                </a:solidFill>
-                <a:latin typeface="HY헤드라인M" panose="02030600000101010101" pitchFamily="18" charset="-127"/>
-                <a:ea typeface="HY헤드라인M" panose="02030600000101010101" pitchFamily="18" charset="-127"/>
-                <a:cs typeface="DejaVu Serif" panose="02060603050605020204" pitchFamily="18" charset="0"/>
-              </a:rPr>
-              <a:t>Demonstration</a:t>
-            </a:r>
-            <a:endParaRPr lang="ko-KR" altLang="en-US" sz="4000" dirty="0">
-              <a:solidFill>
-                <a:schemeClr val="bg1"/>
-              </a:solidFill>
-              <a:latin typeface="HY헤드라인M" panose="02030600000101010101" pitchFamily="18" charset="-127"/>
-              <a:ea typeface="HY헤드라인M" panose="02030600000101010101" pitchFamily="18" charset="-127"/>
-              <a:cs typeface="DejaVu Serif" panose="02060603050605020204" pitchFamily="18" charset="0"/>
-            </a:endParaRPr>
-          </a:p>
-        </p:txBody>
-      </p:sp>
-      <p:sp>
-        <p:nvSpPr>
-          <p:cNvPr id="2" name="TextBox 1"/>
-          <p:cNvSpPr txBox="1"/>
-          <p:nvPr/>
-        </p:nvSpPr>
-        <p:spPr>
-          <a:xfrm>
-            <a:off x="1979712" y="2283718"/>
-            <a:ext cx="5184576" cy="1728192"/>
-          </a:xfrm>
-          <a:prstGeom prst="rect">
-            <a:avLst/>
-          </a:prstGeom>
-          <a:solidFill>
-            <a:srgbClr val="232323"/>
-          </a:solidFill>
-        </p:spPr>
-        <p:txBody>
-          <a:bodyPr vert="horz" wrap="square" lIns="91440" tIns="45720" rIns="91440" bIns="45720" rtlCol="0" anchor="b">
-            <a:noAutofit/>
-          </a:bodyPr>
-          <a:lstStyle/>
-          <a:p>
-            <a:pPr algn="ctr"/>
-            <a:r>
-              <a:rPr lang="en-US" altLang="ko-KR" sz="12000" dirty="0" smtClean="0">
-                <a:solidFill>
-                  <a:schemeClr val="bg1"/>
-                </a:solidFill>
-                <a:latin typeface="210 동화책 R" panose="02020603020101020101" pitchFamily="18" charset="-127"/>
-                <a:ea typeface="210 동화책 R" panose="02020603020101020101" pitchFamily="18" charset="-127"/>
-              </a:rPr>
-              <a:t>GO!</a:t>
-            </a:r>
-            <a:endParaRPr lang="ko-KR" altLang="en-US" sz="12000" dirty="0">
-              <a:solidFill>
-                <a:schemeClr val="bg1"/>
-              </a:solidFill>
-              <a:latin typeface="210 동화책 R" panose="02020603020101020101" pitchFamily="18" charset="-127"/>
-              <a:ea typeface="210 동화책 R" panose="02020603020101020101" pitchFamily="18" charset="-127"/>
-            </a:endParaRPr>
-          </a:p>
-        </p:txBody>
-      </p:sp>
-    </p:spTree>
-    <p:extLst>
-      <p:ext uri="{BB962C8B-B14F-4D97-AF65-F5344CB8AC3E}">
-        <p14:creationId xmlns:p14="http://schemas.microsoft.com/office/powerpoint/2010/main" val="2345497512"/>
-      </p:ext>
-    </p:extLst>
-  </p:cSld>
-  <p:clrMapOvr>
-    <a:masterClrMapping/>
-  </p:clrMapOvr>
-  <p:transition spd="slow">
-    <p:pull/>
-  </p:transition>
-  <p:timing>
-    <p:tnLst>
-      <p:par>
-        <p:cTn id="1" dur="indefinite" restart="never" nodeType="tmRoot"/>
-      </p:par>
-    </p:tnLst>
-  </p:timing>
-</p:sld>
-</file>
-
 <file path=ppt/slides/slide2.xml><?xml version="1.0" encoding="utf-8"?>
 <p:sld xmlns:a="http://schemas.openxmlformats.org/drawingml/2006/main" xmlns:r="http://schemas.openxmlformats.org/officeDocument/2006/relationships" xmlns:p="http://schemas.openxmlformats.org/presentationml/2006/main">
   <p:cSld>
@@ -6463,6 +6291,35 @@
           </a:p>
         </p:txBody>
       </p:sp>
+      <p:pic>
+        <p:nvPicPr>
+          <p:cNvPr id="7" name="그림 6"/>
+          <p:cNvPicPr>
+            <a:picLocks noChangeAspect="1"/>
+          </p:cNvPicPr>
+          <p:nvPr/>
+        </p:nvPicPr>
+        <p:blipFill rotWithShape="1">
+          <a:blip r:embed="rId2" cstate="print">
+            <a:extLst>
+              <a:ext uri="{28A0092B-C50C-407E-A947-70E740481C1C}">
+                <a14:useLocalDpi xmlns:a14="http://schemas.microsoft.com/office/drawing/2010/main" val="0"/>
+              </a:ext>
+            </a:extLst>
+          </a:blip>
+          <a:srcRect l="-8652" r="8652"/>
+          <a:stretch/>
+        </p:blipFill>
+        <p:spPr>
+          <a:xfrm>
+            <a:off x="2483768" y="-72547"/>
+            <a:ext cx="3839813" cy="5216047"/>
+          </a:xfrm>
+          <a:prstGeom prst="rect">
+            <a:avLst/>
+          </a:prstGeom>
+        </p:spPr>
+      </p:pic>
       <p:sp>
         <p:nvSpPr>
           <p:cNvPr id="3" name="TextBox 2"/>
@@ -6471,36 +6328,34 @@
         </p:nvSpPr>
         <p:spPr>
           <a:xfrm>
-            <a:off x="1259632" y="2067694"/>
+            <a:off x="1259632" y="3363838"/>
             <a:ext cx="6624736" cy="1656184"/>
           </a:xfrm>
           <a:prstGeom prst="rect">
             <a:avLst/>
           </a:prstGeom>
-          <a:solidFill>
-            <a:srgbClr val="232323"/>
-          </a:solidFill>
+          <a:noFill/>
         </p:spPr>
         <p:txBody>
           <a:bodyPr vert="horz" wrap="square" lIns="91440" tIns="45720" rIns="91440" bIns="45720" rtlCol="0" anchor="b">
-            <a:normAutofit fontScale="92500"/>
+            <a:normAutofit/>
           </a:bodyPr>
           <a:lstStyle/>
           <a:p>
             <a:pPr algn="ctr"/>
             <a:r>
-              <a:rPr lang="en-US" altLang="ko-KR" sz="10000" dirty="0" err="1" smtClean="0">
-                <a:solidFill>
-                  <a:schemeClr val="bg1"/>
+              <a:rPr lang="en-US" altLang="ko-KR" sz="7500" dirty="0" smtClean="0">
+                <a:solidFill>
+                  <a:srgbClr val="FFC000"/>
                 </a:solidFill>
                 <a:latin typeface="HY견고딕" panose="02030600000101010101" pitchFamily="18" charset="-127"/>
                 <a:ea typeface="HY견고딕" panose="02030600000101010101" pitchFamily="18" charset="-127"/>
               </a:rPr>
-              <a:t>Suplemon</a:t>
-            </a:r>
-            <a:endParaRPr lang="ko-KR" altLang="en-US" sz="10000" dirty="0">
+              <a:t>Syntax</a:t>
+            </a:r>
+            <a:endParaRPr lang="ko-KR" altLang="en-US" sz="7500" dirty="0">
               <a:solidFill>
-                <a:schemeClr val="bg1"/>
+                <a:srgbClr val="FFC000"/>
               </a:solidFill>
               <a:latin typeface="HY견고딕" panose="02030600000101010101" pitchFamily="18" charset="-127"/>
               <a:ea typeface="HY견고딕" panose="02030600000101010101" pitchFamily="18" charset="-127"/>
@@ -6511,7 +6366,7 @@
     </p:spTree>
     <p:extLst>
       <p:ext uri="{BB962C8B-B14F-4D97-AF65-F5344CB8AC3E}">
-        <p14:creationId xmlns:p14="http://schemas.microsoft.com/office/powerpoint/2010/main" val="399894036"/>
+        <p14:creationId xmlns:p14="http://schemas.microsoft.com/office/powerpoint/2010/main" val="1303499172"/>
       </p:ext>
     </p:extLst>
   </p:cSld>
@@ -6578,7 +6433,7 @@
                 <a:latin typeface="HY헤드라인M" panose="02030600000101010101" pitchFamily="18" charset="-127"/>
                 <a:ea typeface="HY헤드라인M" panose="02030600000101010101" pitchFamily="18" charset="-127"/>
               </a:rPr>
-              <a:t>03</a:t>
+              <a:t>04</a:t>
             </a:r>
             <a:endParaRPr lang="ko-KR" altLang="en-US" sz="8000" dirty="0">
               <a:solidFill>
@@ -6621,7 +6476,7 @@
                 <a:ea typeface="HY헤드라인M" panose="02030600000101010101" pitchFamily="18" charset="-127"/>
                 <a:cs typeface="DejaVu Serif" panose="02060603050605020204" pitchFamily="18" charset="0"/>
               </a:rPr>
-              <a:t>Goals</a:t>
+              <a:t>Demonstration</a:t>
             </a:r>
             <a:endParaRPr lang="ko-KR" altLang="en-US" sz="4000" dirty="0">
               <a:solidFill>
@@ -6634,74 +6489,47 @@
           </a:p>
         </p:txBody>
       </p:sp>
-      <p:pic>
-        <p:nvPicPr>
-          <p:cNvPr id="7" name="그림 6"/>
-          <p:cNvPicPr>
-            <a:picLocks noChangeAspect="1"/>
-          </p:cNvPicPr>
+      <p:sp>
+        <p:nvSpPr>
+          <p:cNvPr id="2" name="TextBox 1"/>
+          <p:cNvSpPr txBox="1"/>
           <p:nvPr/>
-        </p:nvPicPr>
-        <p:blipFill rotWithShape="1">
-          <a:blip r:embed="rId2" cstate="print">
-            <a:extLst>
-              <a:ext uri="{28A0092B-C50C-407E-A947-70E740481C1C}">
-                <a14:useLocalDpi xmlns:a14="http://schemas.microsoft.com/office/drawing/2010/main" val="0"/>
-              </a:ext>
-            </a:extLst>
-          </a:blip>
-          <a:srcRect l="-8652" r="8652"/>
-          <a:stretch/>
-        </p:blipFill>
-        <p:spPr>
-          <a:xfrm>
-            <a:off x="2483768" y="-72547"/>
-            <a:ext cx="3839813" cy="5216047"/>
+        </p:nvSpPr>
+        <p:spPr>
+          <a:xfrm>
+            <a:off x="1979712" y="2283718"/>
+            <a:ext cx="5184576" cy="1728192"/>
           </a:xfrm>
           <a:prstGeom prst="rect">
             <a:avLst/>
           </a:prstGeom>
-        </p:spPr>
-      </p:pic>
-      <p:sp>
-        <p:nvSpPr>
-          <p:cNvPr id="3" name="TextBox 2"/>
-          <p:cNvSpPr txBox="1"/>
-          <p:nvPr/>
-        </p:nvSpPr>
-        <p:spPr>
-          <a:xfrm>
-            <a:off x="1259632" y="3363838"/>
-            <a:ext cx="6624736" cy="1656184"/>
-          </a:xfrm>
-          <a:prstGeom prst="rect">
-            <a:avLst/>
-          </a:prstGeom>
-          <a:noFill/>
+          <a:solidFill>
+            <a:srgbClr val="232323"/>
+          </a:solidFill>
         </p:spPr>
         <p:txBody>
           <a:bodyPr vert="horz" wrap="square" lIns="91440" tIns="45720" rIns="91440" bIns="45720" rtlCol="0" anchor="b">
-            <a:normAutofit/>
+            <a:noAutofit/>
           </a:bodyPr>
           <a:lstStyle/>
           <a:p>
             <a:pPr algn="ctr"/>
             <a:r>
-              <a:rPr lang="en-US" altLang="ko-KR" sz="7500" dirty="0" smtClean="0">
-                <a:solidFill>
-                  <a:srgbClr val="FFC000"/>
-                </a:solidFill>
-                <a:latin typeface="HY견고딕" panose="02030600000101010101" pitchFamily="18" charset="-127"/>
-                <a:ea typeface="HY견고딕" panose="02030600000101010101" pitchFamily="18" charset="-127"/>
+              <a:rPr lang="en-US" altLang="ko-KR" sz="12000" dirty="0" smtClean="0">
+                <a:solidFill>
+                  <a:schemeClr val="bg1"/>
+                </a:solidFill>
+                <a:latin typeface="210 동화책 R" panose="02020603020101020101" pitchFamily="18" charset="-127"/>
+                <a:ea typeface="210 동화책 R" panose="02020603020101020101" pitchFamily="18" charset="-127"/>
               </a:rPr>
-              <a:t>Syntax</a:t>
-            </a:r>
-            <a:endParaRPr lang="ko-KR" altLang="en-US" sz="7500" dirty="0">
+              <a:t>GO!</a:t>
+            </a:r>
+            <a:endParaRPr lang="ko-KR" altLang="en-US" sz="12000" dirty="0">
               <a:solidFill>
-                <a:srgbClr val="FFC000"/>
+                <a:schemeClr val="bg1"/>
               </a:solidFill>
-              <a:latin typeface="HY견고딕" panose="02030600000101010101" pitchFamily="18" charset="-127"/>
-              <a:ea typeface="HY견고딕" panose="02030600000101010101" pitchFamily="18" charset="-127"/>
+              <a:latin typeface="210 동화책 R" panose="02020603020101020101" pitchFamily="18" charset="-127"/>
+              <a:ea typeface="210 동화책 R" panose="02020603020101020101" pitchFamily="18" charset="-127"/>
             </a:endParaRPr>
           </a:p>
         </p:txBody>
@@ -6709,7 +6537,7 @@
     </p:spTree>
     <p:extLst>
       <p:ext uri="{BB962C8B-B14F-4D97-AF65-F5344CB8AC3E}">
-        <p14:creationId xmlns:p14="http://schemas.microsoft.com/office/powerpoint/2010/main" val="1303499172"/>
+        <p14:creationId xmlns:p14="http://schemas.microsoft.com/office/powerpoint/2010/main" val="2345497512"/>
       </p:ext>
     </p:extLst>
   </p:cSld>
@@ -6717,7 +6545,7 @@
     <a:masterClrMapping/>
   </p:clrMapOvr>
   <p:transition spd="slow">
-    <p:push dir="u"/>
+    <p:pull/>
   </p:transition>
   <p:timing>
     <p:tnLst>
